--- a/PRESENTATIONS/PROJECT HORIZON OF STARS - PRESENTATION - SOFTWARE ARCHITECTURE v1.0.pptx
+++ b/PRESENTATIONS/PROJECT HORIZON OF STARS - PRESENTATION - SOFTWARE ARCHITECTURE v1.0.pptx
@@ -16474,15 +16474,7 @@
             </a:r>
             <a:r>
               <a:rPr lang="pt-BR" sz="1500" dirty="0"/>
-              <a:t> software </a:t>
-            </a:r>
-            <a:r>
-              <a:rPr lang="pt-BR" sz="1500" dirty="0" err="1"/>
-              <a:t>achitect</a:t>
-            </a:r>
-            <a:r>
-              <a:rPr lang="pt-BR" sz="1500" dirty="0"/>
-              <a:t> WILLY THORPE</a:t>
+              <a:t> software ARCHITECT WILLY THORPE</a:t>
             </a:r>
           </a:p>
         </p:txBody>
@@ -20379,6 +20371,23 @@
 </file>
 
 <file path=customXml/item1.xml><?xml version="1.0" encoding="utf-8"?>
+<p:properties xmlns:p="http://schemas.microsoft.com/office/2006/metadata/properties" xmlns:xsi="http://www.w3.org/2001/XMLSchema-instance" xmlns:pc="http://schemas.microsoft.com/office/infopath/2007/PartnerControls">
+  <documentManagement>
+    <MediaServiceKeyPoints xmlns="71af3243-3dd4-4a8d-8c0d-dd76da1f02a5" xsi:nil="true"/>
+  </documentManagement>
+</p:properties>
+</file>
+
+<file path=customXml/item2.xml><?xml version="1.0" encoding="utf-8"?>
+<?mso-contentType ?>
+<FormTemplates xmlns="http://schemas.microsoft.com/sharepoint/v3/contenttype/forms">
+  <Display>DocumentLibraryForm</Display>
+  <Edit>DocumentLibraryForm</Edit>
+  <New>DocumentLibraryForm</New>
+</FormTemplates>
+</file>
+
+<file path=customXml/item3.xml><?xml version="1.0" encoding="utf-8"?>
 <ct:contentTypeSchema xmlns:ct="http://schemas.microsoft.com/office/2006/metadata/contentType" xmlns:ma="http://schemas.microsoft.com/office/2006/metadata/properties/metaAttributes" ct:_="" ma:_="" ma:contentTypeName="Document" ma:contentTypeID="0x01010079F111ED35F8CC479449609E8A0923A6" ma:contentTypeVersion="11" ma:contentTypeDescription="Create a new document." ma:contentTypeScope="" ma:versionID="1c2eb7a32e66fb6e4260f3771546a5e2">
   <xsd:schema xmlns:xsd="http://www.w3.org/2001/XMLSchema" xmlns:xs="http://www.w3.org/2001/XMLSchema" xmlns:p="http://schemas.microsoft.com/office/2006/metadata/properties" xmlns:ns2="71af3243-3dd4-4a8d-8c0d-dd76da1f02a5" xmlns:ns3="16c05727-aa75-4e4a-9b5f-8a80a1165891" targetNamespace="http://schemas.microsoft.com/office/2006/metadata/properties" ma:root="true" ma:fieldsID="04e1f6479c48b08974ba73b5ca973489" ns2:_="" ns3:_="">
     <xsd:import namespace="71af3243-3dd4-4a8d-8c0d-dd76da1f02a5"/>
@@ -20589,24 +20598,32 @@
 </ct:contentTypeSchema>
 </file>
 
-<file path=customXml/item2.xml><?xml version="1.0" encoding="utf-8"?>
-<?mso-contentType ?>
-<FormTemplates xmlns="http://schemas.microsoft.com/sharepoint/v3/contenttype/forms">
-  <Display>DocumentLibraryForm</Display>
-  <Edit>DocumentLibraryForm</Edit>
-  <New>DocumentLibraryForm</New>
-</FormTemplates>
+<file path=customXml/itemProps1.xml><?xml version="1.0" encoding="utf-8"?>
+<ds:datastoreItem xmlns:ds="http://schemas.openxmlformats.org/officeDocument/2006/customXml" ds:itemID="{B85274BF-C111-4B7A-8D90-F7666D37C131}">
+  <ds:schemaRefs>
+    <ds:schemaRef ds:uri="http://purl.org/dc/dcmitype/"/>
+    <ds:schemaRef ds:uri="http://purl.org/dc/elements/1.1/"/>
+    <ds:schemaRef ds:uri="http://purl.org/dc/terms/"/>
+    <ds:schemaRef ds:uri="http://schemas.microsoft.com/office/2006/metadata/properties"/>
+    <ds:schemaRef ds:uri="16c05727-aa75-4e4a-9b5f-8a80a1165891"/>
+    <ds:schemaRef ds:uri="http://schemas.openxmlformats.org/package/2006/metadata/core-properties"/>
+    <ds:schemaRef ds:uri="http://www.w3.org/XML/1998/namespace"/>
+    <ds:schemaRef ds:uri="http://schemas.microsoft.com/office/2006/documentManagement/types"/>
+    <ds:schemaRef ds:uri="http://schemas.microsoft.com/office/infopath/2007/PartnerControls"/>
+    <ds:schemaRef ds:uri="71af3243-3dd4-4a8d-8c0d-dd76da1f02a5"/>
+  </ds:schemaRefs>
+</ds:datastoreItem>
 </file>
 
-<file path=customXml/item3.xml><?xml version="1.0" encoding="utf-8"?>
-<p:properties xmlns:p="http://schemas.microsoft.com/office/2006/metadata/properties" xmlns:xsi="http://www.w3.org/2001/XMLSchema-instance" xmlns:pc="http://schemas.microsoft.com/office/infopath/2007/PartnerControls">
-  <documentManagement>
-    <MediaServiceKeyPoints xmlns="71af3243-3dd4-4a8d-8c0d-dd76da1f02a5" xsi:nil="true"/>
-  </documentManagement>
-</p:properties>
+<file path=customXml/itemProps2.xml><?xml version="1.0" encoding="utf-8"?>
+<ds:datastoreItem xmlns:ds="http://schemas.openxmlformats.org/officeDocument/2006/customXml" ds:itemID="{E0F1DF1E-36E3-406C-8CF7-DB13BB647087}">
+  <ds:schemaRefs>
+    <ds:schemaRef ds:uri="http://schemas.microsoft.com/sharepoint/v3/contenttype/forms"/>
+  </ds:schemaRefs>
+</ds:datastoreItem>
 </file>
 
-<file path=customXml/itemProps1.xml><?xml version="1.0" encoding="utf-8"?>
+<file path=customXml/itemProps3.xml><?xml version="1.0" encoding="utf-8"?>
 <ds:datastoreItem xmlns:ds="http://schemas.openxmlformats.org/officeDocument/2006/customXml" ds:itemID="{9310845B-7F19-4A9A-BEE4-BEF0501E1A55}">
   <ds:schemaRefs>
     <ds:schemaRef ds:uri="http://schemas.microsoft.com/office/2006/metadata/contentType"/>
@@ -20623,29 +20640,4 @@
     <ds:schemaRef ds:uri="http://schemas.microsoft.com/internal/obd"/>
   </ds:schemaRefs>
 </ds:datastoreItem>
-</file>
-
-<file path=customXml/itemProps2.xml><?xml version="1.0" encoding="utf-8"?>
-<ds:datastoreItem xmlns:ds="http://schemas.openxmlformats.org/officeDocument/2006/customXml" ds:itemID="{E0F1DF1E-36E3-406C-8CF7-DB13BB647087}">
-  <ds:schemaRefs>
-    <ds:schemaRef ds:uri="http://schemas.microsoft.com/sharepoint/v3/contenttype/forms"/>
-  </ds:schemaRefs>
-</ds:datastoreItem>
-</file>
-
-<file path=customXml/itemProps3.xml><?xml version="1.0" encoding="utf-8"?>
-<ds:datastoreItem xmlns:ds="http://schemas.openxmlformats.org/officeDocument/2006/customXml" ds:itemID="{B85274BF-C111-4B7A-8D90-F7666D37C131}">
-  <ds:schemaRefs>
-    <ds:schemaRef ds:uri="http://purl.org/dc/dcmitype/"/>
-    <ds:schemaRef ds:uri="http://purl.org/dc/elements/1.1/"/>
-    <ds:schemaRef ds:uri="http://purl.org/dc/terms/"/>
-    <ds:schemaRef ds:uri="http://schemas.microsoft.com/office/2006/metadata/properties"/>
-    <ds:schemaRef ds:uri="16c05727-aa75-4e4a-9b5f-8a80a1165891"/>
-    <ds:schemaRef ds:uri="http://schemas.openxmlformats.org/package/2006/metadata/core-properties"/>
-    <ds:schemaRef ds:uri="http://www.w3.org/XML/1998/namespace"/>
-    <ds:schemaRef ds:uri="http://schemas.microsoft.com/office/2006/documentManagement/types"/>
-    <ds:schemaRef ds:uri="http://schemas.microsoft.com/office/infopath/2007/PartnerControls"/>
-    <ds:schemaRef ds:uri="71af3243-3dd4-4a8d-8c0d-dd76da1f02a5"/>
-  </ds:schemaRefs>
-</ds:datastoreItem>
 </file>